--- a/GoalOfOutputProfile.pptx
+++ b/GoalOfOutputProfile.pptx
@@ -104,6 +104,11 @@
       </a:defRPr>
     </a:lvl9pPr>
   </p:defaultTextStyle>
+  <p:extLst>
+    <p:ext uri="{EFAFB233-063F-42B5-8137-9DF3F51BA10A}">
+      <p15:sldGuideLst xmlns:p15="http://schemas.microsoft.com/office/powerpoint/2012/main"/>
+    </p:ext>
+  </p:extLst>
 </p:presentation>
 </file>
 
@@ -1517,7 +1522,7 @@
             <a:fld id="{48A87A34-81AB-432B-8DAE-1953F412C126}" type="datetimeFigureOut">
               <a:rPr lang="en-US" dirty="0"/>
               <a:pPr/>
-              <a:t>7/8/18</a:t>
+              <a:t>7/14/18</a:t>
             </a:fld>
             <a:endParaRPr lang="en-US" dirty="0"/>
           </a:p>
@@ -2971,7 +2976,7 @@
           <a:p>
             <a:fld id="{48A87A34-81AB-432B-8DAE-1953F412C126}" type="datetimeFigureOut">
               <a:rPr lang="en-US" dirty="0"/>
-              <a:t>7/8/18</a:t>
+              <a:t>7/14/18</a:t>
             </a:fld>
             <a:endParaRPr lang="en-US" dirty="0"/>
           </a:p>
@@ -4419,7 +4424,7 @@
           <a:p>
             <a:fld id="{48A87A34-81AB-432B-8DAE-1953F412C126}" type="datetimeFigureOut">
               <a:rPr lang="en-US" dirty="0"/>
-              <a:t>7/8/18</a:t>
+              <a:t>7/14/18</a:t>
             </a:fld>
             <a:endParaRPr lang="en-US" dirty="0"/>
           </a:p>
@@ -5869,7 +5874,7 @@
           <a:p>
             <a:fld id="{48A87A34-81AB-432B-8DAE-1953F412C126}" type="datetimeFigureOut">
               <a:rPr lang="en-US" dirty="0"/>
-              <a:t>7/8/18</a:t>
+              <a:t>7/14/18</a:t>
             </a:fld>
             <a:endParaRPr lang="en-US" dirty="0"/>
           </a:p>
@@ -7372,7 +7377,7 @@
           <a:p>
             <a:fld id="{48A87A34-81AB-432B-8DAE-1953F412C126}" type="datetimeFigureOut">
               <a:rPr lang="en-US" dirty="0"/>
-              <a:t>7/8/18</a:t>
+              <a:t>7/14/18</a:t>
             </a:fld>
             <a:endParaRPr lang="en-US" dirty="0"/>
           </a:p>
@@ -8888,7 +8893,7 @@
           <a:p>
             <a:fld id="{48A87A34-81AB-432B-8DAE-1953F412C126}" type="datetimeFigureOut">
               <a:rPr lang="en-US" dirty="0"/>
-              <a:t>7/8/18</a:t>
+              <a:t>7/14/18</a:t>
             </a:fld>
             <a:endParaRPr lang="en-US" dirty="0"/>
           </a:p>
@@ -10548,7 +10553,7 @@
           <a:p>
             <a:fld id="{48A87A34-81AB-432B-8DAE-1953F412C126}" type="datetimeFigureOut">
               <a:rPr lang="en-US" dirty="0"/>
-              <a:t>7/8/18</a:t>
+              <a:t>7/14/18</a:t>
             </a:fld>
             <a:endParaRPr lang="en-US" dirty="0"/>
           </a:p>
@@ -11941,7 +11946,7 @@
           <a:p>
             <a:fld id="{48A87A34-81AB-432B-8DAE-1953F412C126}" type="datetimeFigureOut">
               <a:rPr lang="en-US" dirty="0"/>
-              <a:t>7/8/18</a:t>
+              <a:t>7/14/18</a:t>
             </a:fld>
             <a:endParaRPr lang="en-US" dirty="0"/>
           </a:p>
@@ -12036,7 +12041,7 @@
           <a:p>
             <a:fld id="{48A87A34-81AB-432B-8DAE-1953F412C126}" type="datetimeFigureOut">
               <a:rPr lang="en-US" dirty="0"/>
-              <a:t>7/8/18</a:t>
+              <a:t>7/14/18</a:t>
             </a:fld>
             <a:endParaRPr lang="en-US" dirty="0"/>
           </a:p>
@@ -13557,7 +13562,7 @@
           <a:p>
             <a:fld id="{48A87A34-81AB-432B-8DAE-1953F412C126}" type="datetimeFigureOut">
               <a:rPr lang="en-US" dirty="0"/>
-              <a:t>7/8/18</a:t>
+              <a:t>7/14/18</a:t>
             </a:fld>
             <a:endParaRPr lang="en-US" dirty="0"/>
           </a:p>
@@ -15088,7 +15093,7 @@
           <a:p>
             <a:fld id="{48A87A34-81AB-432B-8DAE-1953F412C126}" type="datetimeFigureOut">
               <a:rPr lang="en-US" dirty="0"/>
-              <a:t>7/8/18</a:t>
+              <a:t>7/14/18</a:t>
             </a:fld>
             <a:endParaRPr lang="en-US" dirty="0"/>
           </a:p>
@@ -15334,7 +15339,7 @@
             <a:fld id="{48A87A34-81AB-432B-8DAE-1953F412C126}" type="datetimeFigureOut">
               <a:rPr lang="en-US" dirty="0"/>
               <a:pPr/>
-              <a:t>7/8/18</a:t>
+              <a:t>7/14/18</a:t>
             </a:fld>
             <a:endParaRPr lang="en-US" dirty="0"/>
           </a:p>
@@ -15884,8 +15889,13 @@
             </a:r>
             <a:r>
               <a:rPr lang="en-US" dirty="0" smtClean="0"/>
-              <a:t>         Positive Impact : 3</a:t>
+              <a:t>         Positive Impact : </a:t>
             </a:r>
+            <a:r>
+              <a:rPr lang="en-US" dirty="0" smtClean="0"/>
+              <a:t>3 [score]</a:t>
+            </a:r>
+            <a:endParaRPr lang="en-US" dirty="0" smtClean="0"/>
           </a:p>
           <a:p>
             <a:r>
@@ -15894,8 +15904,25 @@
             </a:r>
             <a:r>
               <a:rPr lang="en-US" dirty="0" smtClean="0"/>
-              <a:t>         Negative Impact : 18</a:t>
+              <a:t>         Negative Impact </a:t>
             </a:r>
+            <a:r>
+              <a:rPr lang="en-US" smtClean="0"/>
+              <a:t>: </a:t>
+            </a:r>
+            <a:r>
+              <a:rPr lang="en-US"/>
+              <a:t>18 [</a:t>
+            </a:r>
+            <a:r>
+              <a:rPr lang="en-US"/>
+              <a:t>score</a:t>
+            </a:r>
+            <a:r>
+              <a:rPr lang="en-US" smtClean="0"/>
+              <a:t>]</a:t>
+            </a:r>
+            <a:endParaRPr lang="en-US" dirty="0" smtClean="0"/>
           </a:p>
           <a:p>
             <a:r>
@@ -15918,10 +15945,6 @@
             </a:r>
           </a:p>
           <a:p>
-            <a:r>
-              <a:rPr lang="en-US" dirty="0"/>
-              <a:t> </a:t>
-            </a:r>
             <a:r>
               <a:rPr lang="en-US" dirty="0" smtClean="0"/>
               <a:t>          % harmful to society : 78%</a:t>

--- a/GoalOfOutputProfile.pptx
+++ b/GoalOfOutputProfile.pptx
@@ -1522,7 +1522,7 @@
             <a:fld id="{48A87A34-81AB-432B-8DAE-1953F412C126}" type="datetimeFigureOut">
               <a:rPr lang="en-US" dirty="0"/>
               <a:pPr/>
-              <a:t>7/14/18</a:t>
+              <a:t>8/24/18</a:t>
             </a:fld>
             <a:endParaRPr lang="en-US" dirty="0"/>
           </a:p>
@@ -2976,7 +2976,7 @@
           <a:p>
             <a:fld id="{48A87A34-81AB-432B-8DAE-1953F412C126}" type="datetimeFigureOut">
               <a:rPr lang="en-US" dirty="0"/>
-              <a:t>7/14/18</a:t>
+              <a:t>8/24/18</a:t>
             </a:fld>
             <a:endParaRPr lang="en-US" dirty="0"/>
           </a:p>
@@ -4424,7 +4424,7 @@
           <a:p>
             <a:fld id="{48A87A34-81AB-432B-8DAE-1953F412C126}" type="datetimeFigureOut">
               <a:rPr lang="en-US" dirty="0"/>
-              <a:t>7/14/18</a:t>
+              <a:t>8/24/18</a:t>
             </a:fld>
             <a:endParaRPr lang="en-US" dirty="0"/>
           </a:p>
@@ -5874,7 +5874,7 @@
           <a:p>
             <a:fld id="{48A87A34-81AB-432B-8DAE-1953F412C126}" type="datetimeFigureOut">
               <a:rPr lang="en-US" dirty="0"/>
-              <a:t>7/14/18</a:t>
+              <a:t>8/24/18</a:t>
             </a:fld>
             <a:endParaRPr lang="en-US" dirty="0"/>
           </a:p>
@@ -7377,7 +7377,7 @@
           <a:p>
             <a:fld id="{48A87A34-81AB-432B-8DAE-1953F412C126}" type="datetimeFigureOut">
               <a:rPr lang="en-US" dirty="0"/>
-              <a:t>7/14/18</a:t>
+              <a:t>8/24/18</a:t>
             </a:fld>
             <a:endParaRPr lang="en-US" dirty="0"/>
           </a:p>
@@ -8893,7 +8893,7 @@
           <a:p>
             <a:fld id="{48A87A34-81AB-432B-8DAE-1953F412C126}" type="datetimeFigureOut">
               <a:rPr lang="en-US" dirty="0"/>
-              <a:t>7/14/18</a:t>
+              <a:t>8/24/18</a:t>
             </a:fld>
             <a:endParaRPr lang="en-US" dirty="0"/>
           </a:p>
@@ -10553,7 +10553,7 @@
           <a:p>
             <a:fld id="{48A87A34-81AB-432B-8DAE-1953F412C126}" type="datetimeFigureOut">
               <a:rPr lang="en-US" dirty="0"/>
-              <a:t>7/14/18</a:t>
+              <a:t>8/24/18</a:t>
             </a:fld>
             <a:endParaRPr lang="en-US" dirty="0"/>
           </a:p>
@@ -11946,7 +11946,7 @@
           <a:p>
             <a:fld id="{48A87A34-81AB-432B-8DAE-1953F412C126}" type="datetimeFigureOut">
               <a:rPr lang="en-US" dirty="0"/>
-              <a:t>7/14/18</a:t>
+              <a:t>8/24/18</a:t>
             </a:fld>
             <a:endParaRPr lang="en-US" dirty="0"/>
           </a:p>
@@ -12041,7 +12041,7 @@
           <a:p>
             <a:fld id="{48A87A34-81AB-432B-8DAE-1953F412C126}" type="datetimeFigureOut">
               <a:rPr lang="en-US" dirty="0"/>
-              <a:t>7/14/18</a:t>
+              <a:t>8/24/18</a:t>
             </a:fld>
             <a:endParaRPr lang="en-US" dirty="0"/>
           </a:p>
@@ -13562,7 +13562,7 @@
           <a:p>
             <a:fld id="{48A87A34-81AB-432B-8DAE-1953F412C126}" type="datetimeFigureOut">
               <a:rPr lang="en-US" dirty="0"/>
-              <a:t>7/14/18</a:t>
+              <a:t>8/24/18</a:t>
             </a:fld>
             <a:endParaRPr lang="en-US" dirty="0"/>
           </a:p>
@@ -15093,7 +15093,7 @@
           <a:p>
             <a:fld id="{48A87A34-81AB-432B-8DAE-1953F412C126}" type="datetimeFigureOut">
               <a:rPr lang="en-US" dirty="0"/>
-              <a:t>7/14/18</a:t>
+              <a:t>8/24/18</a:t>
             </a:fld>
             <a:endParaRPr lang="en-US" dirty="0"/>
           </a:p>
@@ -15339,7 +15339,7 @@
             <a:fld id="{48A87A34-81AB-432B-8DAE-1953F412C126}" type="datetimeFigureOut">
               <a:rPr lang="en-US" dirty="0"/>
               <a:pPr/>
-              <a:t>7/14/18</a:t>
+              <a:t>8/24/18</a:t>
             </a:fld>
             <a:endParaRPr lang="en-US" dirty="0"/>
           </a:p>
@@ -15889,13 +15889,8 @@
             </a:r>
             <a:r>
               <a:rPr lang="en-US" dirty="0" smtClean="0"/>
-              <a:t>         Positive Impact : </a:t>
+              <a:t>         Positive Impact : 3 [score]</a:t>
             </a:r>
-            <a:r>
-              <a:rPr lang="en-US" dirty="0" smtClean="0"/>
-              <a:t>3 [score]</a:t>
-            </a:r>
-            <a:endParaRPr lang="en-US" dirty="0" smtClean="0"/>
           </a:p>
           <a:p>
             <a:r>
@@ -15912,11 +15907,7 @@
             </a:r>
             <a:r>
               <a:rPr lang="en-US"/>
-              <a:t>18 [</a:t>
-            </a:r>
-            <a:r>
-              <a:rPr lang="en-US"/>
-              <a:t>score</a:t>
+              <a:t>18 [score</a:t>
             </a:r>
             <a:r>
               <a:rPr lang="en-US" smtClean="0"/>
@@ -16003,15 +15994,23 @@
                   <a:schemeClr val="bg1"/>
                 </a:solidFill>
               </a:rPr>
-              <a:t>Worth : 3 </a:t>
+              <a:t>Worth : </a:t>
             </a:r>
             <a:r>
-              <a:rPr lang="en-US" dirty="0" err="1" smtClean="0">
+              <a:rPr lang="en-US" smtClean="0">
                 <a:solidFill>
                   <a:schemeClr val="bg1"/>
                 </a:solidFill>
               </a:rPr>
-              <a:t>Bil</a:t>
+              <a:t>3 </a:t>
+            </a:r>
+            <a:r>
+              <a:rPr lang="en-US" smtClean="0">
+                <a:solidFill>
+                  <a:schemeClr val="bg1"/>
+                </a:solidFill>
+              </a:rPr>
+              <a:t>Billion</a:t>
             </a:r>
             <a:endParaRPr lang="en-US" dirty="0" smtClean="0">
               <a:solidFill>
